--- a/Designing a Chatbot using Cornell Movie-Dialog Corpus Dataset.pptx
+++ b/Designing a Chatbot using Cornell Movie-Dialog Corpus Dataset.pptx
@@ -234,7 +234,7 @@
           <a:p>
             <a:fld id="{C17F2C1D-F243-42AB-ADF2-E7CB4E04900E}" type="datetimeFigureOut">
               <a:rPr lang="en-US" smtClean="0"/>
-              <a:t>10/21/2023</a:t>
+              <a:t>10/22/2023</a:t>
             </a:fld>
             <a:endParaRPr lang="en-US"/>
           </a:p>
@@ -411,7 +411,7 @@
           <a:p>
             <a:fld id="{020CE34E-5667-4A32-A6BA-10C7A552BC63}" type="datetimeFigureOut">
               <a:rPr lang="en-US" smtClean="0"/>
-              <a:t>10/21/2023</a:t>
+              <a:t>10/22/2023</a:t>
             </a:fld>
             <a:endParaRPr lang="en-US"/>
           </a:p>
@@ -14843,62 +14843,6 @@
       </p:sp>
       <p:sp>
         <p:nvSpPr>
-          <p:cNvPr id="13" name="Date Placeholder 12">
-            <a:extLst>
-              <a:ext uri="{FF2B5EF4-FFF2-40B4-BE49-F238E27FC236}">
-                <a16:creationId xmlns:a16="http://schemas.microsoft.com/office/drawing/2014/main" id="{915FE2C5-E66A-4405-B19E-2C5C546C98E4}"/>
-              </a:ext>
-            </a:extLst>
-          </p:cNvPr>
-          <p:cNvSpPr>
-            <a:spLocks noGrp="1"/>
-          </p:cNvSpPr>
-          <p:nvPr>
-            <p:ph type="dt" sz="half" idx="10"/>
-          </p:nvPr>
-        </p:nvSpPr>
-        <p:spPr/>
-        <p:txBody>
-          <a:bodyPr/>
-          <a:lstStyle/>
-          <a:p>
-            <a:r>
-              <a:rPr lang="en-US"/>
-              <a:t>Tuesday, February 2, 20XX</a:t>
-            </a:r>
-          </a:p>
-        </p:txBody>
-      </p:sp>
-      <p:sp>
-        <p:nvSpPr>
-          <p:cNvPr id="14" name="Footer Placeholder 13">
-            <a:extLst>
-              <a:ext uri="{FF2B5EF4-FFF2-40B4-BE49-F238E27FC236}">
-                <a16:creationId xmlns:a16="http://schemas.microsoft.com/office/drawing/2014/main" id="{B01DF4D0-78BC-4C8C-9570-26F0B225433A}"/>
-              </a:ext>
-            </a:extLst>
-          </p:cNvPr>
-          <p:cNvSpPr>
-            <a:spLocks noGrp="1"/>
-          </p:cNvSpPr>
-          <p:nvPr>
-            <p:ph type="ftr" sz="quarter" idx="11"/>
-          </p:nvPr>
-        </p:nvSpPr>
-        <p:spPr/>
-        <p:txBody>
-          <a:bodyPr/>
-          <a:lstStyle/>
-          <a:p>
-            <a:r>
-              <a:rPr lang="en-US" dirty="0"/>
-              <a:t>Sample Footer Text</a:t>
-            </a:r>
-          </a:p>
-        </p:txBody>
-      </p:sp>
-      <p:sp>
-        <p:nvSpPr>
           <p:cNvPr id="15" name="Slide Number Placeholder 14">
             <a:extLst>
               <a:ext uri="{FF2B5EF4-FFF2-40B4-BE49-F238E27FC236}">
@@ -15092,73 +15036,6 @@
           </a:xfrm>
         </p:spPr>
       </p:pic>
-      <p:sp>
-        <p:nvSpPr>
-          <p:cNvPr id="4" name="Date Placeholder 3">
-            <a:extLst>
-              <a:ext uri="{FF2B5EF4-FFF2-40B4-BE49-F238E27FC236}">
-                <a16:creationId xmlns:a16="http://schemas.microsoft.com/office/drawing/2014/main" id="{0C329F70-04F7-4C70-BCF8-D4371F54EF2F}"/>
-              </a:ext>
-            </a:extLst>
-          </p:cNvPr>
-          <p:cNvSpPr>
-            <a:spLocks noGrp="1"/>
-          </p:cNvSpPr>
-          <p:nvPr>
-            <p:ph type="dt" sz="half" idx="10"/>
-          </p:nvPr>
-        </p:nvSpPr>
-        <p:spPr>
-          <a:xfrm>
-            <a:off x="550863" y="6507212"/>
-            <a:ext cx="2628900" cy="153888"/>
-          </a:xfrm>
-        </p:spPr>
-        <p:txBody>
-          <a:bodyPr/>
-          <a:lstStyle/>
-          <a:p>
-            <a:r>
-              <a:rPr lang="en-US"/>
-              <a:t>Tuesday, February 2, 20XX</a:t>
-            </a:r>
-            <a:endParaRPr lang="en-US" dirty="0"/>
-          </a:p>
-        </p:txBody>
-      </p:sp>
-      <p:sp>
-        <p:nvSpPr>
-          <p:cNvPr id="5" name="Footer Placeholder 4">
-            <a:extLst>
-              <a:ext uri="{FF2B5EF4-FFF2-40B4-BE49-F238E27FC236}">
-                <a16:creationId xmlns:a16="http://schemas.microsoft.com/office/drawing/2014/main" id="{06A3302E-502D-4151-81C9-5FD6AF9596D6}"/>
-              </a:ext>
-            </a:extLst>
-          </p:cNvPr>
-          <p:cNvSpPr>
-            <a:spLocks noGrp="1"/>
-          </p:cNvSpPr>
-          <p:nvPr>
-            <p:ph type="ftr" sz="quarter" idx="11"/>
-          </p:nvPr>
-        </p:nvSpPr>
-        <p:spPr>
-          <a:xfrm>
-            <a:off x="3359150" y="6507212"/>
-            <a:ext cx="6379210" cy="153888"/>
-          </a:xfrm>
-        </p:spPr>
-        <p:txBody>
-          <a:bodyPr/>
-          <a:lstStyle/>
-          <a:p>
-            <a:r>
-              <a:rPr lang="en-US"/>
-              <a:t>Sample Footer Text</a:t>
-            </a:r>
-          </a:p>
-        </p:txBody>
-      </p:sp>
       <p:sp>
         <p:nvSpPr>
           <p:cNvPr id="6" name="Slide Number Placeholder 5">
@@ -16948,101 +16825,6 @@
       </p:pic>
       <p:sp>
         <p:nvSpPr>
-          <p:cNvPr id="2" name="Date Placeholder 1">
-            <a:extLst>
-              <a:ext uri="{FF2B5EF4-FFF2-40B4-BE49-F238E27FC236}">
-                <a16:creationId xmlns:a16="http://schemas.microsoft.com/office/drawing/2014/main" id="{2910D835-B454-4270-BB35-86A187307E6F}"/>
-              </a:ext>
-            </a:extLst>
-          </p:cNvPr>
-          <p:cNvSpPr>
-            <a:spLocks noGrp="1"/>
-          </p:cNvSpPr>
-          <p:nvPr>
-            <p:ph type="dt" sz="half" idx="10"/>
-          </p:nvPr>
-        </p:nvSpPr>
-        <p:spPr>
-          <a:xfrm>
-            <a:off x="550863" y="6507212"/>
-            <a:ext cx="2628900" cy="153888"/>
-          </a:xfrm>
-        </p:spPr>
-        <p:txBody>
-          <a:bodyPr vert="horz" wrap="square" lIns="0" tIns="0" rIns="0" bIns="0" rtlCol="0" anchor="ctr">
-            <a:normAutofit/>
-          </a:bodyPr>
-          <a:lstStyle/>
-          <a:p>
-            <a:pPr>
-              <a:spcAft>
-                <a:spcPts val="600"/>
-              </a:spcAft>
-            </a:pPr>
-            <a:r>
-              <a:rPr lang="en-US">
-                <a:solidFill>
-                  <a:schemeClr val="tx1">
-                    <a:alpha val="80000"/>
-                  </a:schemeClr>
-                </a:solidFill>
-              </a:rPr>
-              <a:t>Tuesday, February 2, 20XX</a:t>
-            </a:r>
-          </a:p>
-        </p:txBody>
-      </p:sp>
-      <p:sp>
-        <p:nvSpPr>
-          <p:cNvPr id="3" name="Footer Placeholder 2">
-            <a:extLst>
-              <a:ext uri="{FF2B5EF4-FFF2-40B4-BE49-F238E27FC236}">
-                <a16:creationId xmlns:a16="http://schemas.microsoft.com/office/drawing/2014/main" id="{7F7F653B-90B5-4F47-A33F-93DCB2EF68C2}"/>
-              </a:ext>
-            </a:extLst>
-          </p:cNvPr>
-          <p:cNvSpPr>
-            <a:spLocks noGrp="1"/>
-          </p:cNvSpPr>
-          <p:nvPr>
-            <p:ph type="ftr" sz="quarter" idx="11"/>
-          </p:nvPr>
-        </p:nvSpPr>
-        <p:spPr>
-          <a:xfrm>
-            <a:off x="3359150" y="6507212"/>
-            <a:ext cx="6379210" cy="153888"/>
-          </a:xfrm>
-        </p:spPr>
-        <p:txBody>
-          <a:bodyPr vert="horz" wrap="square" lIns="0" tIns="0" rIns="0" bIns="0" rtlCol="0" anchor="ctr">
-            <a:normAutofit/>
-          </a:bodyPr>
-          <a:lstStyle/>
-          <a:p>
-            <a:pPr>
-              <a:spcAft>
-                <a:spcPts val="600"/>
-              </a:spcAft>
-            </a:pPr>
-            <a:r>
-              <a:rPr lang="en-US" kern="1200">
-                <a:solidFill>
-                  <a:schemeClr val="tx1">
-                    <a:alpha val="80000"/>
-                  </a:schemeClr>
-                </a:solidFill>
-                <a:latin typeface="+mn-lt"/>
-                <a:ea typeface="+mn-ea"/>
-                <a:cs typeface="+mn-cs"/>
-              </a:rPr>
-              <a:t>Sample Footer Text</a:t>
-            </a:r>
-          </a:p>
-        </p:txBody>
-      </p:sp>
-      <p:sp>
-        <p:nvSpPr>
           <p:cNvPr id="4" name="Slide Number Placeholder 3">
             <a:extLst>
               <a:ext uri="{FF2B5EF4-FFF2-40B4-BE49-F238E27FC236}">
@@ -17346,86 +17128,6 @@
           </a:custGeom>
         </p:spPr>
       </p:pic>
-      <p:sp>
-        <p:nvSpPr>
-          <p:cNvPr id="14" name="Date Placeholder 13">
-            <a:extLst>
-              <a:ext uri="{FF2B5EF4-FFF2-40B4-BE49-F238E27FC236}">
-                <a16:creationId xmlns:a16="http://schemas.microsoft.com/office/drawing/2014/main" id="{DC738669-5750-45EA-9715-A0041D4C569B}"/>
-              </a:ext>
-            </a:extLst>
-          </p:cNvPr>
-          <p:cNvSpPr>
-            <a:spLocks noGrp="1"/>
-          </p:cNvSpPr>
-          <p:nvPr>
-            <p:ph type="dt" sz="half" idx="10"/>
-          </p:nvPr>
-        </p:nvSpPr>
-        <p:spPr>
-          <a:xfrm>
-            <a:off x="550863" y="6507212"/>
-            <a:ext cx="2628900" cy="153888"/>
-          </a:xfrm>
-        </p:spPr>
-        <p:txBody>
-          <a:bodyPr>
-            <a:normAutofit/>
-          </a:bodyPr>
-          <a:lstStyle/>
-          <a:p>
-            <a:pPr>
-              <a:spcAft>
-                <a:spcPts val="600"/>
-              </a:spcAft>
-            </a:pPr>
-            <a:r>
-              <a:rPr lang="en-US"/>
-              <a:t>Tuesday, February 2, 20XX</a:t>
-            </a:r>
-          </a:p>
-        </p:txBody>
-      </p:sp>
-      <p:sp>
-        <p:nvSpPr>
-          <p:cNvPr id="15" name="Footer Placeholder 14">
-            <a:extLst>
-              <a:ext uri="{FF2B5EF4-FFF2-40B4-BE49-F238E27FC236}">
-                <a16:creationId xmlns:a16="http://schemas.microsoft.com/office/drawing/2014/main" id="{CD05A243-8080-4F6D-8538-65CDDF891BA6}"/>
-              </a:ext>
-            </a:extLst>
-          </p:cNvPr>
-          <p:cNvSpPr>
-            <a:spLocks noGrp="1"/>
-          </p:cNvSpPr>
-          <p:nvPr>
-            <p:ph type="ftr" sz="quarter" idx="11"/>
-          </p:nvPr>
-        </p:nvSpPr>
-        <p:spPr>
-          <a:xfrm>
-            <a:off x="3359150" y="6507212"/>
-            <a:ext cx="6379210" cy="153888"/>
-          </a:xfrm>
-        </p:spPr>
-        <p:txBody>
-          <a:bodyPr>
-            <a:normAutofit/>
-          </a:bodyPr>
-          <a:lstStyle/>
-          <a:p>
-            <a:pPr>
-              <a:spcAft>
-                <a:spcPts val="600"/>
-              </a:spcAft>
-            </a:pPr>
-            <a:r>
-              <a:rPr lang="en-US"/>
-              <a:t>Sample Footer Text</a:t>
-            </a:r>
-          </a:p>
-        </p:txBody>
-      </p:sp>
       <p:sp>
         <p:nvSpPr>
           <p:cNvPr id="16" name="Slide Number Placeholder 15">
@@ -17754,63 +17456,6 @@
       </p:sp>
       <p:sp>
         <p:nvSpPr>
-          <p:cNvPr id="2" name="Date Placeholder 1">
-            <a:extLst>
-              <a:ext uri="{FF2B5EF4-FFF2-40B4-BE49-F238E27FC236}">
-                <a16:creationId xmlns:a16="http://schemas.microsoft.com/office/drawing/2014/main" id="{81FCAF0A-629F-4EC6-B3E6-563ED999F360}"/>
-              </a:ext>
-            </a:extLst>
-          </p:cNvPr>
-          <p:cNvSpPr>
-            <a:spLocks noGrp="1"/>
-          </p:cNvSpPr>
-          <p:nvPr>
-            <p:ph type="dt" sz="half" idx="10"/>
-          </p:nvPr>
-        </p:nvSpPr>
-        <p:spPr/>
-        <p:txBody>
-          <a:bodyPr/>
-          <a:lstStyle/>
-          <a:p>
-            <a:r>
-              <a:rPr lang="en-US"/>
-              <a:t>Tuesday, February 2, 20XX</a:t>
-            </a:r>
-            <a:endParaRPr lang="en-US" dirty="0"/>
-          </a:p>
-        </p:txBody>
-      </p:sp>
-      <p:sp>
-        <p:nvSpPr>
-          <p:cNvPr id="7" name="Footer Placeholder 6">
-            <a:extLst>
-              <a:ext uri="{FF2B5EF4-FFF2-40B4-BE49-F238E27FC236}">
-                <a16:creationId xmlns:a16="http://schemas.microsoft.com/office/drawing/2014/main" id="{920A7C57-D6C5-4BA0-AB3C-41D4E3436B0E}"/>
-              </a:ext>
-            </a:extLst>
-          </p:cNvPr>
-          <p:cNvSpPr>
-            <a:spLocks noGrp="1"/>
-          </p:cNvSpPr>
-          <p:nvPr>
-            <p:ph type="ftr" sz="quarter" idx="11"/>
-          </p:nvPr>
-        </p:nvSpPr>
-        <p:spPr/>
-        <p:txBody>
-          <a:bodyPr/>
-          <a:lstStyle/>
-          <a:p>
-            <a:r>
-              <a:rPr lang="en-US"/>
-              <a:t>Sample Footer Text</a:t>
-            </a:r>
-          </a:p>
-        </p:txBody>
-      </p:sp>
-      <p:sp>
-        <p:nvSpPr>
           <p:cNvPr id="6" name="Slide Number Placeholder 5">
             <a:extLst>
               <a:ext uri="{FF2B5EF4-FFF2-40B4-BE49-F238E27FC236}">
@@ -17990,73 +17635,6 @@
       </p:sp>
       <p:sp>
         <p:nvSpPr>
-          <p:cNvPr id="4" name="Date Placeholder 3">
-            <a:extLst>
-              <a:ext uri="{FF2B5EF4-FFF2-40B4-BE49-F238E27FC236}">
-                <a16:creationId xmlns:a16="http://schemas.microsoft.com/office/drawing/2014/main" id="{0C329F70-04F7-4C70-BCF8-D4371F54EF2F}"/>
-              </a:ext>
-            </a:extLst>
-          </p:cNvPr>
-          <p:cNvSpPr>
-            <a:spLocks noGrp="1"/>
-          </p:cNvSpPr>
-          <p:nvPr>
-            <p:ph type="dt" sz="half" idx="10"/>
-          </p:nvPr>
-        </p:nvSpPr>
-        <p:spPr>
-          <a:xfrm>
-            <a:off x="550863" y="6507212"/>
-            <a:ext cx="2628900" cy="153888"/>
-          </a:xfrm>
-        </p:spPr>
-        <p:txBody>
-          <a:bodyPr/>
-          <a:lstStyle/>
-          <a:p>
-            <a:r>
-              <a:rPr lang="en-US"/>
-              <a:t>Tuesday, February 2, 20XX</a:t>
-            </a:r>
-            <a:endParaRPr lang="en-US" dirty="0"/>
-          </a:p>
-        </p:txBody>
-      </p:sp>
-      <p:sp>
-        <p:nvSpPr>
-          <p:cNvPr id="5" name="Footer Placeholder 4">
-            <a:extLst>
-              <a:ext uri="{FF2B5EF4-FFF2-40B4-BE49-F238E27FC236}">
-                <a16:creationId xmlns:a16="http://schemas.microsoft.com/office/drawing/2014/main" id="{06A3302E-502D-4151-81C9-5FD6AF9596D6}"/>
-              </a:ext>
-            </a:extLst>
-          </p:cNvPr>
-          <p:cNvSpPr>
-            <a:spLocks noGrp="1"/>
-          </p:cNvSpPr>
-          <p:nvPr>
-            <p:ph type="ftr" sz="quarter" idx="11"/>
-          </p:nvPr>
-        </p:nvSpPr>
-        <p:spPr>
-          <a:xfrm>
-            <a:off x="3359150" y="6507212"/>
-            <a:ext cx="6379210" cy="153888"/>
-          </a:xfrm>
-        </p:spPr>
-        <p:txBody>
-          <a:bodyPr/>
-          <a:lstStyle/>
-          <a:p>
-            <a:r>
-              <a:rPr lang="en-US"/>
-              <a:t>Sample Footer Text</a:t>
-            </a:r>
-          </a:p>
-        </p:txBody>
-      </p:sp>
-      <p:sp>
-        <p:nvSpPr>
           <p:cNvPr id="6" name="Slide Number Placeholder 5">
             <a:extLst>
               <a:ext uri="{FF2B5EF4-FFF2-40B4-BE49-F238E27FC236}">
@@ -18298,72 +17876,6 @@
           </a:xfrm>
         </p:spPr>
       </p:pic>
-      <p:sp>
-        <p:nvSpPr>
-          <p:cNvPr id="4" name="Date Placeholder 3">
-            <a:extLst>
-              <a:ext uri="{FF2B5EF4-FFF2-40B4-BE49-F238E27FC236}">
-                <a16:creationId xmlns:a16="http://schemas.microsoft.com/office/drawing/2014/main" id="{7823E305-6365-4345-8BD1-4A31C61D96CB}"/>
-              </a:ext>
-            </a:extLst>
-          </p:cNvPr>
-          <p:cNvSpPr>
-            <a:spLocks noGrp="1"/>
-          </p:cNvSpPr>
-          <p:nvPr>
-            <p:ph type="dt" sz="half" idx="10"/>
-          </p:nvPr>
-        </p:nvSpPr>
-        <p:spPr>
-          <a:xfrm>
-            <a:off x="550863" y="6507212"/>
-            <a:ext cx="2628900" cy="153888"/>
-          </a:xfrm>
-        </p:spPr>
-        <p:txBody>
-          <a:bodyPr/>
-          <a:lstStyle/>
-          <a:p>
-            <a:r>
-              <a:rPr lang="en-US" dirty="0"/>
-              <a:t>Tuesday, February 2, 20XX</a:t>
-            </a:r>
-          </a:p>
-        </p:txBody>
-      </p:sp>
-      <p:sp>
-        <p:nvSpPr>
-          <p:cNvPr id="5" name="Footer Placeholder 4">
-            <a:extLst>
-              <a:ext uri="{FF2B5EF4-FFF2-40B4-BE49-F238E27FC236}">
-                <a16:creationId xmlns:a16="http://schemas.microsoft.com/office/drawing/2014/main" id="{0B37A3FF-ED32-4C4A-A21F-848A3BF6F896}"/>
-              </a:ext>
-            </a:extLst>
-          </p:cNvPr>
-          <p:cNvSpPr>
-            <a:spLocks noGrp="1"/>
-          </p:cNvSpPr>
-          <p:nvPr>
-            <p:ph type="ftr" sz="quarter" idx="11"/>
-          </p:nvPr>
-        </p:nvSpPr>
-        <p:spPr>
-          <a:xfrm>
-            <a:off x="3359150" y="6507212"/>
-            <a:ext cx="6379210" cy="153888"/>
-          </a:xfrm>
-        </p:spPr>
-        <p:txBody>
-          <a:bodyPr/>
-          <a:lstStyle/>
-          <a:p>
-            <a:r>
-              <a:rPr lang="en-US" dirty="0"/>
-              <a:t>Sample Footer Text</a:t>
-            </a:r>
-          </a:p>
-        </p:txBody>
-      </p:sp>
       <p:sp>
         <p:nvSpPr>
           <p:cNvPr id="6" name="Slide Number Placeholder 5">
@@ -19422,34 +18934,6 @@
 </file>
 
 <file path=customXml/item1.xml><?xml version="1.0" encoding="utf-8"?>
-<?mso-contentType ?>
-<FormTemplates xmlns="http://schemas.microsoft.com/sharepoint/v3/contenttype/forms">
-  <Display>DocumentLibraryForm</Display>
-  <Edit>DocumentLibraryForm</Edit>
-  <New>DocumentLibraryForm</New>
-</FormTemplates>
-</file>
-
-<file path=customXml/item2.xml><?xml version="1.0" encoding="utf-8"?>
-<p:properties xmlns:p="http://schemas.microsoft.com/office/2006/metadata/properties" xmlns:xsi="http://www.w3.org/2001/XMLSchema-instance" xmlns:pc="http://schemas.microsoft.com/office/infopath/2007/PartnerControls">
-  <documentManagement>
-    <_ip_UnifiedCompliancePolicyUIAction xmlns="http://schemas.microsoft.com/sharepoint/v3" xsi:nil="true"/>
-    <Image xmlns="71af3243-3dd4-4a8d-8c0d-dd76da1f02a5">
-      <Url xsi:nil="true"/>
-      <Description xsi:nil="true"/>
-    </Image>
-    <Status xmlns="71af3243-3dd4-4a8d-8c0d-dd76da1f02a5">Not started</Status>
-    <_ip_UnifiedCompliancePolicyProperties xmlns="http://schemas.microsoft.com/sharepoint/v3" xsi:nil="true"/>
-    <lcf76f155ced4ddcb4097134ff3c332f xmlns="71af3243-3dd4-4a8d-8c0d-dd76da1f02a5">
-      <Terms xmlns="http://schemas.microsoft.com/office/infopath/2007/PartnerControls"/>
-    </lcf76f155ced4ddcb4097134ff3c332f>
-    <TaxCatchAll xmlns="230e9df3-be65-4c73-a93b-d1236ebd677e"/>
-    <MediaServiceKeyPoints xmlns="71af3243-3dd4-4a8d-8c0d-dd76da1f02a5" xsi:nil="true"/>
-  </documentManagement>
-</p:properties>
-</file>
-
-<file path=customXml/item3.xml><?xml version="1.0" encoding="utf-8"?>
 <ct:contentTypeSchema xmlns:ct="http://schemas.microsoft.com/office/2006/metadata/contentType" xmlns:ma="http://schemas.microsoft.com/office/2006/metadata/properties/metaAttributes" ct:_="" ma:_="" ma:contentTypeName="Document" ma:contentTypeID="0x01010079F111ED35F8CC479449609E8A0923A6" ma:contentTypeVersion="18" ma:contentTypeDescription="Create a new document." ma:contentTypeScope="" ma:versionID="22a266b9fa9a230c5a512669d8b298c3">
   <xsd:schema xmlns:xsd="http://www.w3.org/2001/XMLSchema" xmlns:xs="http://www.w3.org/2001/XMLSchema" xmlns:p="http://schemas.microsoft.com/office/2006/metadata/properties" xmlns:ns1="http://schemas.microsoft.com/sharepoint/v3" xmlns:ns2="71af3243-3dd4-4a8d-8c0d-dd76da1f02a5" xmlns:ns3="16c05727-aa75-4e4a-9b5f-8a80a1165891" xmlns:ns4="230e9df3-be65-4c73-a93b-d1236ebd677e" targetNamespace="http://schemas.microsoft.com/office/2006/metadata/properties" ma:root="true" ma:fieldsID="eddc33fff6b14141ee5c74a0d29ea6a1" ns1:_="" ns2:_="" ns3:_="" ns4:_="">
     <xsd:import namespace="http://schemas.microsoft.com/sharepoint/v3"/>
@@ -19725,27 +19209,35 @@
 </ct:contentTypeSchema>
 </file>
 
-<file path=customXml/itemProps1.xml><?xml version="1.0" encoding="utf-8"?>
-<ds:datastoreItem xmlns:ds="http://schemas.openxmlformats.org/officeDocument/2006/customXml" ds:itemID="{904751AB-E840-446F-8D49-E697067EC887}">
-  <ds:schemaRefs>
-    <ds:schemaRef ds:uri="http://schemas.microsoft.com/sharepoint/v3/contenttype/forms"/>
-  </ds:schemaRefs>
-</ds:datastoreItem>
+<file path=customXml/item2.xml><?xml version="1.0" encoding="utf-8"?>
+<p:properties xmlns:p="http://schemas.microsoft.com/office/2006/metadata/properties" xmlns:xsi="http://www.w3.org/2001/XMLSchema-instance" xmlns:pc="http://schemas.microsoft.com/office/infopath/2007/PartnerControls">
+  <documentManagement>
+    <_ip_UnifiedCompliancePolicyUIAction xmlns="http://schemas.microsoft.com/sharepoint/v3" xsi:nil="true"/>
+    <Image xmlns="71af3243-3dd4-4a8d-8c0d-dd76da1f02a5">
+      <Url xsi:nil="true"/>
+      <Description xsi:nil="true"/>
+    </Image>
+    <Status xmlns="71af3243-3dd4-4a8d-8c0d-dd76da1f02a5">Not started</Status>
+    <_ip_UnifiedCompliancePolicyProperties xmlns="http://schemas.microsoft.com/sharepoint/v3" xsi:nil="true"/>
+    <lcf76f155ced4ddcb4097134ff3c332f xmlns="71af3243-3dd4-4a8d-8c0d-dd76da1f02a5">
+      <Terms xmlns="http://schemas.microsoft.com/office/infopath/2007/PartnerControls"/>
+    </lcf76f155ced4ddcb4097134ff3c332f>
+    <TaxCatchAll xmlns="230e9df3-be65-4c73-a93b-d1236ebd677e"/>
+    <MediaServiceKeyPoints xmlns="71af3243-3dd4-4a8d-8c0d-dd76da1f02a5" xsi:nil="true"/>
+  </documentManagement>
+</p:properties>
 </file>
 
-<file path=customXml/itemProps2.xml><?xml version="1.0" encoding="utf-8"?>
-<ds:datastoreItem xmlns:ds="http://schemas.openxmlformats.org/officeDocument/2006/customXml" ds:itemID="{50811A92-D464-4AC4-A396-BA73B10CEEAC}">
-  <ds:schemaRefs>
-    <ds:schemaRef ds:uri="http://schemas.microsoft.com/office/2006/metadata/properties"/>
-    <ds:schemaRef ds:uri="http://schemas.microsoft.com/office/infopath/2007/PartnerControls"/>
-    <ds:schemaRef ds:uri="http://schemas.microsoft.com/sharepoint/v3"/>
-    <ds:schemaRef ds:uri="71af3243-3dd4-4a8d-8c0d-dd76da1f02a5"/>
-    <ds:schemaRef ds:uri="230e9df3-be65-4c73-a93b-d1236ebd677e"/>
-  </ds:schemaRefs>
-</ds:datastoreItem>
+<file path=customXml/item3.xml><?xml version="1.0" encoding="utf-8"?>
+<?mso-contentType ?>
+<FormTemplates xmlns="http://schemas.microsoft.com/sharepoint/v3/contenttype/forms">
+  <Display>DocumentLibraryForm</Display>
+  <Edit>DocumentLibraryForm</Edit>
+  <New>DocumentLibraryForm</New>
+</FormTemplates>
 </file>
 
-<file path=customXml/itemProps3.xml><?xml version="1.0" encoding="utf-8"?>
+<file path=customXml/itemProps1.xml><?xml version="1.0" encoding="utf-8"?>
 <ds:datastoreItem xmlns:ds="http://schemas.openxmlformats.org/officeDocument/2006/customXml" ds:itemID="{DE4876F9-7AE1-498D-B8FE-1E3AD703D2AF}">
   <ds:schemaRefs>
     <ds:schemaRef ds:uri="http://schemas.microsoft.com/office/2006/metadata/contentType"/>
@@ -19766,6 +19258,26 @@
 </ds:datastoreItem>
 </file>
 
+<file path=customXml/itemProps2.xml><?xml version="1.0" encoding="utf-8"?>
+<ds:datastoreItem xmlns:ds="http://schemas.openxmlformats.org/officeDocument/2006/customXml" ds:itemID="{50811A92-D464-4AC4-A396-BA73B10CEEAC}">
+  <ds:schemaRefs>
+    <ds:schemaRef ds:uri="http://schemas.microsoft.com/office/2006/metadata/properties"/>
+    <ds:schemaRef ds:uri="http://schemas.microsoft.com/office/infopath/2007/PartnerControls"/>
+    <ds:schemaRef ds:uri="http://schemas.microsoft.com/sharepoint/v3"/>
+    <ds:schemaRef ds:uri="71af3243-3dd4-4a8d-8c0d-dd76da1f02a5"/>
+    <ds:schemaRef ds:uri="230e9df3-be65-4c73-a93b-d1236ebd677e"/>
+  </ds:schemaRefs>
+</ds:datastoreItem>
+</file>
+
+<file path=customXml/itemProps3.xml><?xml version="1.0" encoding="utf-8"?>
+<ds:datastoreItem xmlns:ds="http://schemas.openxmlformats.org/officeDocument/2006/customXml" ds:itemID="{904751AB-E840-446F-8D49-E697067EC887}">
+  <ds:schemaRefs>
+    <ds:schemaRef ds:uri="http://schemas.microsoft.com/sharepoint/v3/contenttype/forms"/>
+  </ds:schemaRefs>
+</ds:datastoreItem>
+</file>
+
 <file path=docMetadata/LabelInfo.xml><?xml version="1.0" encoding="utf-8"?>
 <clbl:labelList xmlns:clbl="http://schemas.microsoft.com/office/2020/mipLabelMetadata">
   <clbl:label id="{f42aa342-8706-4288-bd11-ebb85995028c}" enabled="1" method="Standard" siteId="{72f988bf-86f1-41af-91ab-2d7cd011db47}" contentBits="0" removed="0"/>
